--- a/Presentation/Task2 ppt.pptx
+++ b/Presentation/Task2 ppt.pptx
@@ -4188,7 +4188,11 @@
             </a:pPr>
             <a:r>
               <a:rPr lang="en-IN" sz="1300" dirty="0"/>
-              <a:t>The most important variable in the model was length_of_stay, that is the time between purchase and departure.</a:t>
+              <a:t>The most important variable in the model was length_of_stay, that is the time for the trip or trip </a:t>
+            </a:r>
+            <a:r>
+              <a:rPr lang="en-IN" sz="1300"/>
+              <a:t>duration.</a:t>
             </a:r>
             <a:endParaRPr lang="en-US" sz="1300" dirty="0"/>
           </a:p>
